--- a/PowerPoint/Origin/レポート.pptx
+++ b/PowerPoint/Origin/レポート.pptx
@@ -260,7 +260,7 @@
           <a:p>
             <a:fld id="{5C689FDE-1BEC-435E-AC80-8955825C340B}" type="datetimeFigureOut">
               <a:rPr kumimoji="1" lang="ja-JP" altLang="en-US" smtClean="0"/>
-              <a:t>2021/6/10</a:t>
+              <a:t>2021/6/14</a:t>
             </a:fld>
             <a:endParaRPr kumimoji="1" lang="ja-JP" altLang="en-US"/>
           </a:p>
@@ -490,7 +490,7 @@
           <a:p>
             <a:fld id="{5C689FDE-1BEC-435E-AC80-8955825C340B}" type="datetimeFigureOut">
               <a:rPr kumimoji="1" lang="ja-JP" altLang="en-US" smtClean="0"/>
-              <a:t>2021/6/10</a:t>
+              <a:t>2021/6/14</a:t>
             </a:fld>
             <a:endParaRPr kumimoji="1" lang="ja-JP" altLang="en-US"/>
           </a:p>
@@ -730,7 +730,7 @@
           <a:p>
             <a:fld id="{5C689FDE-1BEC-435E-AC80-8955825C340B}" type="datetimeFigureOut">
               <a:rPr kumimoji="1" lang="ja-JP" altLang="en-US" smtClean="0"/>
-              <a:t>2021/6/10</a:t>
+              <a:t>2021/6/14</a:t>
             </a:fld>
             <a:endParaRPr kumimoji="1" lang="ja-JP" altLang="en-US"/>
           </a:p>
@@ -960,7 +960,7 @@
           <a:p>
             <a:fld id="{5C689FDE-1BEC-435E-AC80-8955825C340B}" type="datetimeFigureOut">
               <a:rPr kumimoji="1" lang="ja-JP" altLang="en-US" smtClean="0"/>
-              <a:t>2021/6/10</a:t>
+              <a:t>2021/6/14</a:t>
             </a:fld>
             <a:endParaRPr kumimoji="1" lang="ja-JP" altLang="en-US"/>
           </a:p>
@@ -1235,7 +1235,7 @@
           <a:p>
             <a:fld id="{5C689FDE-1BEC-435E-AC80-8955825C340B}" type="datetimeFigureOut">
               <a:rPr kumimoji="1" lang="ja-JP" altLang="en-US" smtClean="0"/>
-              <a:t>2021/6/10</a:t>
+              <a:t>2021/6/14</a:t>
             </a:fld>
             <a:endParaRPr kumimoji="1" lang="ja-JP" altLang="en-US"/>
           </a:p>
@@ -1564,7 +1564,7 @@
           <a:p>
             <a:fld id="{5C689FDE-1BEC-435E-AC80-8955825C340B}" type="datetimeFigureOut">
               <a:rPr kumimoji="1" lang="ja-JP" altLang="en-US" smtClean="0"/>
-              <a:t>2021/6/10</a:t>
+              <a:t>2021/6/14</a:t>
             </a:fld>
             <a:endParaRPr kumimoji="1" lang="ja-JP" altLang="en-US"/>
           </a:p>
@@ -2040,7 +2040,7 @@
           <a:p>
             <a:fld id="{5C689FDE-1BEC-435E-AC80-8955825C340B}" type="datetimeFigureOut">
               <a:rPr kumimoji="1" lang="ja-JP" altLang="en-US" smtClean="0"/>
-              <a:t>2021/6/10</a:t>
+              <a:t>2021/6/14</a:t>
             </a:fld>
             <a:endParaRPr kumimoji="1" lang="ja-JP" altLang="en-US"/>
           </a:p>
@@ -2181,7 +2181,7 @@
           <a:p>
             <a:fld id="{5C689FDE-1BEC-435E-AC80-8955825C340B}" type="datetimeFigureOut">
               <a:rPr kumimoji="1" lang="ja-JP" altLang="en-US" smtClean="0"/>
-              <a:t>2021/6/10</a:t>
+              <a:t>2021/6/14</a:t>
             </a:fld>
             <a:endParaRPr kumimoji="1" lang="ja-JP" altLang="en-US"/>
           </a:p>
@@ -2294,7 +2294,7 @@
           <a:p>
             <a:fld id="{5C689FDE-1BEC-435E-AC80-8955825C340B}" type="datetimeFigureOut">
               <a:rPr kumimoji="1" lang="ja-JP" altLang="en-US" smtClean="0"/>
-              <a:t>2021/6/10</a:t>
+              <a:t>2021/6/14</a:t>
             </a:fld>
             <a:endParaRPr kumimoji="1" lang="ja-JP" altLang="en-US"/>
           </a:p>
@@ -2637,7 +2637,7 @@
           <a:p>
             <a:fld id="{5C689FDE-1BEC-435E-AC80-8955825C340B}" type="datetimeFigureOut">
               <a:rPr kumimoji="1" lang="ja-JP" altLang="en-US" smtClean="0"/>
-              <a:t>2021/6/10</a:t>
+              <a:t>2021/6/14</a:t>
             </a:fld>
             <a:endParaRPr kumimoji="1" lang="ja-JP" altLang="en-US"/>
           </a:p>
@@ -2925,7 +2925,7 @@
           <a:p>
             <a:fld id="{5C689FDE-1BEC-435E-AC80-8955825C340B}" type="datetimeFigureOut">
               <a:rPr kumimoji="1" lang="ja-JP" altLang="en-US" smtClean="0"/>
-              <a:t>2021/6/10</a:t>
+              <a:t>2021/6/14</a:t>
             </a:fld>
             <a:endParaRPr kumimoji="1" lang="ja-JP" altLang="en-US"/>
           </a:p>
@@ -3198,7 +3198,7 @@
           <a:p>
             <a:fld id="{5C689FDE-1BEC-435E-AC80-8955825C340B}" type="datetimeFigureOut">
               <a:rPr kumimoji="1" lang="ja-JP" altLang="en-US" smtClean="0"/>
-              <a:t>2021/6/10</a:t>
+              <a:t>2021/6/14</a:t>
             </a:fld>
             <a:endParaRPr kumimoji="1" lang="ja-JP" altLang="en-US"/>
           </a:p>
@@ -3748,7 +3748,7 @@
         <p:spPr>
           <a:xfrm>
             <a:off x="838200" y="1825625"/>
-            <a:ext cx="3227773" cy="2133816"/>
+            <a:ext cx="3831454" cy="4344356"/>
           </a:xfrm>
         </p:spPr>
         <p:txBody>
@@ -3762,6 +3762,214 @@
               <a:rPr kumimoji="1" lang="ja-JP" altLang="en-US" dirty="0"/>
               <a:t>ここに画像</a:t>
             </a:r>
+          </a:p>
+        </p:txBody>
+      </p:sp>
+      <p:sp>
+        <p:nvSpPr>
+          <p:cNvPr id="4" name="コンテンツ プレースホルダー 2">
+            <a:extLst>
+              <a:ext uri="{FF2B5EF4-FFF2-40B4-BE49-F238E27FC236}">
+                <a16:creationId xmlns:a16="http://schemas.microsoft.com/office/drawing/2014/main" id="{39059714-467E-48BA-9A0E-73ED1CD9749C}"/>
+              </a:ext>
+            </a:extLst>
+          </p:cNvPr>
+          <p:cNvSpPr txBox="1">
+            <a:spLocks/>
+          </p:cNvSpPr>
+          <p:nvPr/>
+        </p:nvSpPr>
+        <p:spPr>
+          <a:xfrm>
+            <a:off x="5109838" y="1825625"/>
+            <a:ext cx="3831454" cy="4344356"/>
+          </a:xfrm>
+          <a:prstGeom prst="rect">
+            <a:avLst/>
+          </a:prstGeom>
+        </p:spPr>
+        <p:txBody>
+          <a:bodyPr vert="horz" lIns="91440" tIns="45720" rIns="91440" bIns="45720" rtlCol="0">
+            <a:normAutofit/>
+          </a:bodyPr>
+          <a:lstStyle>
+            <a:lvl1pPr marL="228600" indent="-228600" algn="l" defTabSz="914400" rtl="0" eaLnBrk="1" latinLnBrk="0" hangingPunct="1">
+              <a:lnSpc>
+                <a:spcPct val="90000"/>
+              </a:lnSpc>
+              <a:spcBef>
+                <a:spcPts val="1000"/>
+              </a:spcBef>
+              <a:buFont typeface="Arial" panose="020B0604020202020204" pitchFamily="34" charset="0"/>
+              <a:buChar char="•"/>
+              <a:defRPr kumimoji="1" sz="2800" kern="1200">
+                <a:solidFill>
+                  <a:schemeClr val="tx1"/>
+                </a:solidFill>
+                <a:latin typeface="+mn-lt"/>
+                <a:ea typeface="+mn-ea"/>
+                <a:cs typeface="+mn-cs"/>
+              </a:defRPr>
+            </a:lvl1pPr>
+            <a:lvl2pPr marL="685800" indent="-228600" algn="l" defTabSz="914400" rtl="0" eaLnBrk="1" latinLnBrk="0" hangingPunct="1">
+              <a:lnSpc>
+                <a:spcPct val="90000"/>
+              </a:lnSpc>
+              <a:spcBef>
+                <a:spcPts val="500"/>
+              </a:spcBef>
+              <a:buFont typeface="Arial" panose="020B0604020202020204" pitchFamily="34" charset="0"/>
+              <a:buChar char="•"/>
+              <a:defRPr kumimoji="1" sz="2400" kern="1200">
+                <a:solidFill>
+                  <a:schemeClr val="tx1"/>
+                </a:solidFill>
+                <a:latin typeface="+mn-lt"/>
+                <a:ea typeface="+mn-ea"/>
+                <a:cs typeface="+mn-cs"/>
+              </a:defRPr>
+            </a:lvl2pPr>
+            <a:lvl3pPr marL="1143000" indent="-228600" algn="l" defTabSz="914400" rtl="0" eaLnBrk="1" latinLnBrk="0" hangingPunct="1">
+              <a:lnSpc>
+                <a:spcPct val="90000"/>
+              </a:lnSpc>
+              <a:spcBef>
+                <a:spcPts val="500"/>
+              </a:spcBef>
+              <a:buFont typeface="Arial" panose="020B0604020202020204" pitchFamily="34" charset="0"/>
+              <a:buChar char="•"/>
+              <a:defRPr kumimoji="1" sz="2000" kern="1200">
+                <a:solidFill>
+                  <a:schemeClr val="tx1"/>
+                </a:solidFill>
+                <a:latin typeface="+mn-lt"/>
+                <a:ea typeface="+mn-ea"/>
+                <a:cs typeface="+mn-cs"/>
+              </a:defRPr>
+            </a:lvl3pPr>
+            <a:lvl4pPr marL="1600200" indent="-228600" algn="l" defTabSz="914400" rtl="0" eaLnBrk="1" latinLnBrk="0" hangingPunct="1">
+              <a:lnSpc>
+                <a:spcPct val="90000"/>
+              </a:lnSpc>
+              <a:spcBef>
+                <a:spcPts val="500"/>
+              </a:spcBef>
+              <a:buFont typeface="Arial" panose="020B0604020202020204" pitchFamily="34" charset="0"/>
+              <a:buChar char="•"/>
+              <a:defRPr kumimoji="1" sz="1800" kern="1200">
+                <a:solidFill>
+                  <a:schemeClr val="tx1"/>
+                </a:solidFill>
+                <a:latin typeface="+mn-lt"/>
+                <a:ea typeface="+mn-ea"/>
+                <a:cs typeface="+mn-cs"/>
+              </a:defRPr>
+            </a:lvl4pPr>
+            <a:lvl5pPr marL="2057400" indent="-228600" algn="l" defTabSz="914400" rtl="0" eaLnBrk="1" latinLnBrk="0" hangingPunct="1">
+              <a:lnSpc>
+                <a:spcPct val="90000"/>
+              </a:lnSpc>
+              <a:spcBef>
+                <a:spcPts val="500"/>
+              </a:spcBef>
+              <a:buFont typeface="Arial" panose="020B0604020202020204" pitchFamily="34" charset="0"/>
+              <a:buChar char="•"/>
+              <a:defRPr kumimoji="1" sz="1800" kern="1200">
+                <a:solidFill>
+                  <a:schemeClr val="tx1"/>
+                </a:solidFill>
+                <a:latin typeface="+mn-lt"/>
+                <a:ea typeface="+mn-ea"/>
+                <a:cs typeface="+mn-cs"/>
+              </a:defRPr>
+            </a:lvl5pPr>
+            <a:lvl6pPr marL="2514600" indent="-228600" algn="l" defTabSz="914400" rtl="0" eaLnBrk="1" latinLnBrk="0" hangingPunct="1">
+              <a:lnSpc>
+                <a:spcPct val="90000"/>
+              </a:lnSpc>
+              <a:spcBef>
+                <a:spcPts val="500"/>
+              </a:spcBef>
+              <a:buFont typeface="Arial" panose="020B0604020202020204" pitchFamily="34" charset="0"/>
+              <a:buChar char="•"/>
+              <a:defRPr kumimoji="1" sz="1800" kern="1200">
+                <a:solidFill>
+                  <a:schemeClr val="tx1"/>
+                </a:solidFill>
+                <a:latin typeface="+mn-lt"/>
+                <a:ea typeface="+mn-ea"/>
+                <a:cs typeface="+mn-cs"/>
+              </a:defRPr>
+            </a:lvl6pPr>
+            <a:lvl7pPr marL="2971800" indent="-228600" algn="l" defTabSz="914400" rtl="0" eaLnBrk="1" latinLnBrk="0" hangingPunct="1">
+              <a:lnSpc>
+                <a:spcPct val="90000"/>
+              </a:lnSpc>
+              <a:spcBef>
+                <a:spcPts val="500"/>
+              </a:spcBef>
+              <a:buFont typeface="Arial" panose="020B0604020202020204" pitchFamily="34" charset="0"/>
+              <a:buChar char="•"/>
+              <a:defRPr kumimoji="1" sz="1800" kern="1200">
+                <a:solidFill>
+                  <a:schemeClr val="tx1"/>
+                </a:solidFill>
+                <a:latin typeface="+mn-lt"/>
+                <a:ea typeface="+mn-ea"/>
+                <a:cs typeface="+mn-cs"/>
+              </a:defRPr>
+            </a:lvl7pPr>
+            <a:lvl8pPr marL="3429000" indent="-228600" algn="l" defTabSz="914400" rtl="0" eaLnBrk="1" latinLnBrk="0" hangingPunct="1">
+              <a:lnSpc>
+                <a:spcPct val="90000"/>
+              </a:lnSpc>
+              <a:spcBef>
+                <a:spcPts val="500"/>
+              </a:spcBef>
+              <a:buFont typeface="Arial" panose="020B0604020202020204" pitchFamily="34" charset="0"/>
+              <a:buChar char="•"/>
+              <a:defRPr kumimoji="1" sz="1800" kern="1200">
+                <a:solidFill>
+                  <a:schemeClr val="tx1"/>
+                </a:solidFill>
+                <a:latin typeface="+mn-lt"/>
+                <a:ea typeface="+mn-ea"/>
+                <a:cs typeface="+mn-cs"/>
+              </a:defRPr>
+            </a:lvl8pPr>
+            <a:lvl9pPr marL="3886200" indent="-228600" algn="l" defTabSz="914400" rtl="0" eaLnBrk="1" latinLnBrk="0" hangingPunct="1">
+              <a:lnSpc>
+                <a:spcPct val="90000"/>
+              </a:lnSpc>
+              <a:spcBef>
+                <a:spcPts val="500"/>
+              </a:spcBef>
+              <a:buFont typeface="Arial" panose="020B0604020202020204" pitchFamily="34" charset="0"/>
+              <a:buChar char="•"/>
+              <a:defRPr kumimoji="1" sz="1800" kern="1200">
+                <a:solidFill>
+                  <a:schemeClr val="tx1"/>
+                </a:solidFill>
+                <a:latin typeface="+mn-lt"/>
+                <a:ea typeface="+mn-ea"/>
+                <a:cs typeface="+mn-cs"/>
+              </a:defRPr>
+            </a:lvl9pPr>
+          </a:lstStyle>
+          <a:p>
+            <a:pPr marL="0" indent="0">
+              <a:buFont typeface="Arial" panose="020B0604020202020204" pitchFamily="34" charset="0"/>
+              <a:buNone/>
+            </a:pPr>
+            <a:r>
+              <a:rPr lang="ja-JP" altLang="en-US" dirty="0"/>
+              <a:t>ここに画像</a:t>
+            </a:r>
+            <a:r>
+              <a:rPr lang="en-US" altLang="ja-JP"/>
+              <a:t>2</a:t>
+            </a:r>
+            <a:endParaRPr lang="ja-JP" altLang="en-US" dirty="0"/>
           </a:p>
         </p:txBody>
       </p:sp>
